--- a/5_portfolio/포트폴리오_예.pptx
+++ b/5_portfolio/포트폴리오_예.pptx
@@ -3438,6 +3438,13 @@
   <p:clrMapOvr>
     <a:masterClrMapping/>
   </p:clrMapOvr>
+  <p:timing>
+    <p:tnLst>
+      <p:par>
+        <p:cTn id="1" dur="indefinite" restart="never" nodeType="tmRoot"/>
+      </p:par>
+    </p:tnLst>
+  </p:timing>
 </p:sld>
 </file>
 
@@ -6759,7 +6766,7 @@
         <p:spPr>
           <a:xfrm>
             <a:off x="1567515" y="3181856"/>
-            <a:ext cx="1944422" cy="760978"/>
+            <a:ext cx="3011702" cy="784830"/>
           </a:xfrm>
           <a:prstGeom prst="rect">
             <a:avLst/>
@@ -6804,18 +6811,29 @@
               </a:lnSpc>
             </a:pPr>
             <a:r>
-              <a:rPr lang="en-US" altLang="ko-KR" sz="1000" dirty="0">
+              <a:rPr lang="en-US" altLang="ko-KR" sz="1000">
                 <a:latin typeface="+mn-ea"/>
                 <a:hlinkClick r:id="rId2"/>
               </a:rPr>
-              <a:t>https://github.com/</a:t>
+              <a:t>https</a:t>
             </a:r>
             <a:r>
-              <a:rPr lang="en-US" altLang="ko-KR" sz="1000" dirty="0">
+              <a:rPr lang="en-US" altLang="ko-KR" sz="1000">
                 <a:latin typeface="+mn-ea"/>
+                <a:hlinkClick r:id="rId2"/>
               </a:rPr>
-              <a:t>xxxxxx</a:t>
+              <a:t>://</a:t>
             </a:r>
+            <a:r>
+              <a:rPr lang="en-US" altLang="ko-KR" sz="1000" smtClean="0">
+                <a:latin typeface="+mn-ea"/>
+                <a:hlinkClick r:id="rId2"/>
+              </a:rPr>
+              <a:t>github.com/renige18/portfolio</a:t>
+            </a:r>
+            <a:endParaRPr lang="en-US" altLang="ko-KR" sz="1000" dirty="0">
+              <a:latin typeface="+mn-ea"/>
+            </a:endParaRPr>
           </a:p>
         </p:txBody>
       </p:sp>
@@ -8191,6 +8209,13 @@
   <p:clrMapOvr>
     <a:masterClrMapping/>
   </p:clrMapOvr>
+  <p:timing>
+    <p:tnLst>
+      <p:par>
+        <p:cTn id="1" dur="indefinite" restart="never" nodeType="tmRoot"/>
+      </p:par>
+    </p:tnLst>
+  </p:timing>
 </p:sld>
 </file>
 
@@ -11022,6 +11047,13 @@
   <p:clrMapOvr>
     <a:masterClrMapping/>
   </p:clrMapOvr>
+  <p:timing>
+    <p:tnLst>
+      <p:par>
+        <p:cTn id="1" dur="indefinite" restart="never" nodeType="tmRoot"/>
+      </p:par>
+    </p:tnLst>
+  </p:timing>
 </p:sld>
 </file>
 
@@ -11329,9 +11361,9 @@
         <p:grpSpPr>
           <a:xfrm>
             <a:off x="426551" y="1409613"/>
-            <a:ext cx="4508402" cy="4861621"/>
+            <a:ext cx="4508402" cy="4603255"/>
             <a:chOff x="426551" y="1409613"/>
-            <a:chExt cx="4508402" cy="4861621"/>
+            <a:chExt cx="4508402" cy="4603255"/>
           </a:xfrm>
         </p:grpSpPr>
         <p:sp>
@@ -11349,7 +11381,7 @@
           <p:spPr>
             <a:xfrm>
               <a:off x="426551" y="1409613"/>
-              <a:ext cx="2336223" cy="461665"/>
+              <a:ext cx="3516799" cy="461665"/>
             </a:xfrm>
             <a:prstGeom prst="rect">
               <a:avLst/>
@@ -11369,7 +11401,16 @@
                   </a:solidFill>
                   <a:latin typeface="+mn-ea"/>
                 </a:rPr>
-                <a:t>뭐든지 메모 앱</a:t>
+                <a:t>뭐든지 메모 </a:t>
+              </a:r>
+              <a:r>
+                <a:rPr lang="ko-KR" altLang="en-US" sz="2400" b="1" smtClean="0">
+                  <a:solidFill>
+                    <a:srgbClr val="EC8A62"/>
+                  </a:solidFill>
+                  <a:latin typeface="+mn-ea"/>
+                </a:rPr>
+                <a:t>앱</a:t>
               </a:r>
               <a:endParaRPr lang="en-US" altLang="ko-KR" sz="2400" b="1" dirty="0">
                 <a:solidFill>
@@ -11693,133 +11734,6 @@
                       <a:lumOff val="50000"/>
                     </a:schemeClr>
                   </a:solidFill>
-                  <a:latin typeface="+mn-ea"/>
-                </a:endParaRPr>
-              </a:p>
-            </p:txBody>
-          </p:sp>
-        </p:grpSp>
-        <p:grpSp>
-          <p:nvGrpSpPr>
-            <p:cNvPr id="25" name="그룹 24">
-              <a:extLst>
-                <a:ext uri="{FF2B5EF4-FFF2-40B4-BE49-F238E27FC236}">
-                  <a16:creationId xmlns:a16="http://schemas.microsoft.com/office/drawing/2014/main" id="{17F3D77D-B63E-4FDA-B608-4F178AFBACC9}"/>
-                </a:ext>
-              </a:extLst>
-            </p:cNvPr>
-            <p:cNvGrpSpPr/>
-            <p:nvPr/>
-          </p:nvGrpSpPr>
-          <p:grpSpPr>
-            <a:xfrm>
-              <a:off x="555676" y="6017318"/>
-              <a:ext cx="1508979" cy="253916"/>
-              <a:chOff x="6654694" y="4740005"/>
-              <a:chExt cx="1508979" cy="253916"/>
-            </a:xfrm>
-          </p:grpSpPr>
-          <p:sp>
-            <p:nvSpPr>
-              <p:cNvPr id="149" name="삼각형 45">
-                <a:extLst>
-                  <a:ext uri="{FF2B5EF4-FFF2-40B4-BE49-F238E27FC236}">
-                    <a16:creationId xmlns:a16="http://schemas.microsoft.com/office/drawing/2014/main" id="{079A80A8-5369-461E-B6E4-135C69EE1526}"/>
-                  </a:ext>
-                </a:extLst>
-              </p:cNvPr>
-              <p:cNvSpPr/>
-              <p:nvPr/>
-            </p:nvSpPr>
-            <p:spPr>
-              <a:xfrm rot="5400000">
-                <a:off x="6649703" y="4801555"/>
-                <a:ext cx="133104" cy="123122"/>
-              </a:xfrm>
-              <a:prstGeom prst="triangle">
-                <a:avLst/>
-              </a:prstGeom>
-              <a:solidFill>
-                <a:srgbClr val="F4BA5B"/>
-              </a:solidFill>
-              <a:ln>
-                <a:noFill/>
-              </a:ln>
-            </p:spPr>
-            <p:style>
-              <a:lnRef idx="2">
-                <a:schemeClr val="accent1">
-                  <a:shade val="50000"/>
-                </a:schemeClr>
-              </a:lnRef>
-              <a:fillRef idx="1">
-                <a:schemeClr val="accent1"/>
-              </a:fillRef>
-              <a:effectRef idx="0">
-                <a:schemeClr val="accent1"/>
-              </a:effectRef>
-              <a:fontRef idx="minor">
-                <a:schemeClr val="lt1"/>
-              </a:fontRef>
-            </p:style>
-            <p:txBody>
-              <a:bodyPr rtlCol="0" anchor="ctr"/>
-              <a:lstStyle/>
-              <a:p>
-                <a:pPr algn="ctr"/>
-                <a:endParaRPr kumimoji="1" lang="ko-KR" altLang="en-US" sz="1463">
-                  <a:latin typeface="+mn-ea"/>
-                </a:endParaRPr>
-              </a:p>
-            </p:txBody>
-          </p:sp>
-          <p:sp>
-            <p:nvSpPr>
-              <p:cNvPr id="150" name="TextBox 149">
-                <a:extLst>
-                  <a:ext uri="{FF2B5EF4-FFF2-40B4-BE49-F238E27FC236}">
-                    <a16:creationId xmlns:a16="http://schemas.microsoft.com/office/drawing/2014/main" id="{2C68DE23-AD92-4A6A-9490-222E27A3994C}"/>
-                  </a:ext>
-                </a:extLst>
-              </p:cNvPr>
-              <p:cNvSpPr txBox="1"/>
-              <p:nvPr/>
-            </p:nvSpPr>
-            <p:spPr>
-              <a:xfrm>
-                <a:off x="6809664" y="4740005"/>
-                <a:ext cx="1354009" cy="253916"/>
-              </a:xfrm>
-              <a:prstGeom prst="rect">
-                <a:avLst/>
-              </a:prstGeom>
-              <a:noFill/>
-            </p:spPr>
-            <p:txBody>
-              <a:bodyPr wrap="square" rtlCol="0">
-                <a:spAutoFit/>
-              </a:bodyPr>
-              <a:lstStyle/>
-              <a:p>
-                <a:r>
-                  <a:rPr kumimoji="1" lang="en-US" altLang="ko-KR" sz="1050" b="1" dirty="0">
-                    <a:latin typeface="+mn-ea"/>
-                  </a:rPr>
-                  <a:t>CODE(</a:t>
-                </a:r>
-                <a:r>
-                  <a:rPr kumimoji="1" lang="en-US" altLang="ko-KR" sz="1050" b="1" dirty="0" err="1">
-                    <a:latin typeface="+mn-ea"/>
-                  </a:rPr>
-                  <a:t>Github</a:t>
-                </a:r>
-                <a:r>
-                  <a:rPr kumimoji="1" lang="en-US" altLang="ko-KR" sz="1050" b="1" dirty="0">
-                    <a:latin typeface="+mn-ea"/>
-                  </a:rPr>
-                  <a:t> URL)</a:t>
-                </a:r>
-                <a:endParaRPr kumimoji="1" lang="ko-KR" altLang="en-US" sz="1050" b="1" dirty="0">
                   <a:latin typeface="+mn-ea"/>
                 </a:endParaRPr>
               </a:p>
@@ -12678,18 +12592,58 @@
           </p:sp>
         </p:grpSp>
       </p:grpSp>
+      <p:sp>
+        <p:nvSpPr>
+          <p:cNvPr id="74" name="TextBox 73">
+            <a:extLst>
+              <a:ext uri="{FF2B5EF4-FFF2-40B4-BE49-F238E27FC236}">
+                <a16:creationId xmlns:a16="http://schemas.microsoft.com/office/drawing/2014/main" id="{2D945192-38BF-4D10-9B7B-47EF81C22699}"/>
+              </a:ext>
+            </a:extLst>
+          </p:cNvPr>
+          <p:cNvSpPr txBox="1"/>
+          <p:nvPr/>
+        </p:nvSpPr>
+        <p:spPr>
+          <a:xfrm>
+            <a:off x="729953" y="6283462"/>
+            <a:ext cx="184731" cy="253916"/>
+          </a:xfrm>
+          <a:prstGeom prst="rect">
+            <a:avLst/>
+          </a:prstGeom>
+          <a:noFill/>
+        </p:spPr>
+        <p:txBody>
+          <a:bodyPr wrap="none" rtlCol="0">
+            <a:spAutoFit/>
+          </a:bodyPr>
+          <a:lstStyle/>
+          <a:p>
+            <a:endParaRPr kumimoji="1" lang="ko-KR" altLang="en-US" sz="1050" dirty="0">
+              <a:solidFill>
+                <a:schemeClr val="tx1">
+                  <a:lumMod val="50000"/>
+                  <a:lumOff val="50000"/>
+                </a:schemeClr>
+              </a:solidFill>
+              <a:latin typeface="+mn-ea"/>
+            </a:endParaRPr>
+          </a:p>
+        </p:txBody>
+      </p:sp>
       <p:grpSp>
         <p:nvGrpSpPr>
-          <p:cNvPr id="9" name="그룹 8"/>
+          <p:cNvPr id="7" name="그룹 6"/>
           <p:cNvGrpSpPr/>
           <p:nvPr/>
         </p:nvGrpSpPr>
         <p:grpSpPr>
           <a:xfrm>
             <a:off x="4825883" y="1396818"/>
-            <a:ext cx="4809606" cy="4936438"/>
+            <a:ext cx="4809606" cy="5162823"/>
             <a:chOff x="4825883" y="1396818"/>
-            <a:chExt cx="4809606" cy="4936438"/>
+            <a:chExt cx="4809606" cy="5162823"/>
           </a:xfrm>
         </p:grpSpPr>
         <p:sp>
@@ -13014,133 +12968,6 @@
                       <a:lumOff val="50000"/>
                     </a:schemeClr>
                   </a:solidFill>
-                  <a:latin typeface="+mn-ea"/>
-                </a:endParaRPr>
-              </a:p>
-            </p:txBody>
-          </p:sp>
-        </p:grpSp>
-        <p:grpSp>
-          <p:nvGrpSpPr>
-            <p:cNvPr id="96" name="그룹 95">
-              <a:extLst>
-                <a:ext uri="{FF2B5EF4-FFF2-40B4-BE49-F238E27FC236}">
-                  <a16:creationId xmlns:a16="http://schemas.microsoft.com/office/drawing/2014/main" id="{17F3D77D-B63E-4FDA-B608-4F178AFBACC9}"/>
-                </a:ext>
-              </a:extLst>
-            </p:cNvPr>
-            <p:cNvGrpSpPr/>
-            <p:nvPr/>
-          </p:nvGrpSpPr>
-          <p:grpSpPr>
-            <a:xfrm>
-              <a:off x="5021511" y="6079340"/>
-              <a:ext cx="1508979" cy="253916"/>
-              <a:chOff x="6654694" y="4740005"/>
-              <a:chExt cx="1508979" cy="253916"/>
-            </a:xfrm>
-          </p:grpSpPr>
-          <p:sp>
-            <p:nvSpPr>
-              <p:cNvPr id="119" name="삼각형 45">
-                <a:extLst>
-                  <a:ext uri="{FF2B5EF4-FFF2-40B4-BE49-F238E27FC236}">
-                    <a16:creationId xmlns:a16="http://schemas.microsoft.com/office/drawing/2014/main" id="{079A80A8-5369-461E-B6E4-135C69EE1526}"/>
-                  </a:ext>
-                </a:extLst>
-              </p:cNvPr>
-              <p:cNvSpPr/>
-              <p:nvPr/>
-            </p:nvSpPr>
-            <p:spPr>
-              <a:xfrm rot="5400000">
-                <a:off x="6649703" y="4801555"/>
-                <a:ext cx="133104" cy="123122"/>
-              </a:xfrm>
-              <a:prstGeom prst="triangle">
-                <a:avLst/>
-              </a:prstGeom>
-              <a:solidFill>
-                <a:srgbClr val="F4BA5B"/>
-              </a:solidFill>
-              <a:ln>
-                <a:noFill/>
-              </a:ln>
-            </p:spPr>
-            <p:style>
-              <a:lnRef idx="2">
-                <a:schemeClr val="accent1">
-                  <a:shade val="50000"/>
-                </a:schemeClr>
-              </a:lnRef>
-              <a:fillRef idx="1">
-                <a:schemeClr val="accent1"/>
-              </a:fillRef>
-              <a:effectRef idx="0">
-                <a:schemeClr val="accent1"/>
-              </a:effectRef>
-              <a:fontRef idx="minor">
-                <a:schemeClr val="lt1"/>
-              </a:fontRef>
-            </p:style>
-            <p:txBody>
-              <a:bodyPr rtlCol="0" anchor="ctr"/>
-              <a:lstStyle/>
-              <a:p>
-                <a:pPr algn="ctr"/>
-                <a:endParaRPr kumimoji="1" lang="ko-KR" altLang="en-US" sz="1463">
-                  <a:latin typeface="+mn-ea"/>
-                </a:endParaRPr>
-              </a:p>
-            </p:txBody>
-          </p:sp>
-          <p:sp>
-            <p:nvSpPr>
-              <p:cNvPr id="120" name="TextBox 119">
-                <a:extLst>
-                  <a:ext uri="{FF2B5EF4-FFF2-40B4-BE49-F238E27FC236}">
-                    <a16:creationId xmlns:a16="http://schemas.microsoft.com/office/drawing/2014/main" id="{2C68DE23-AD92-4A6A-9490-222E27A3994C}"/>
-                  </a:ext>
-                </a:extLst>
-              </p:cNvPr>
-              <p:cNvSpPr txBox="1"/>
-              <p:nvPr/>
-            </p:nvSpPr>
-            <p:spPr>
-              <a:xfrm>
-                <a:off x="6809664" y="4740005"/>
-                <a:ext cx="1354009" cy="253916"/>
-              </a:xfrm>
-              <a:prstGeom prst="rect">
-                <a:avLst/>
-              </a:prstGeom>
-              <a:noFill/>
-            </p:spPr>
-            <p:txBody>
-              <a:bodyPr wrap="square" rtlCol="0">
-                <a:spAutoFit/>
-              </a:bodyPr>
-              <a:lstStyle/>
-              <a:p>
-                <a:r>
-                  <a:rPr kumimoji="1" lang="en-US" altLang="ko-KR" sz="1050" b="1" dirty="0">
-                    <a:latin typeface="+mn-ea"/>
-                  </a:rPr>
-                  <a:t>CODE(</a:t>
-                </a:r>
-                <a:r>
-                  <a:rPr kumimoji="1" lang="en-US" altLang="ko-KR" sz="1050" b="1" dirty="0" err="1">
-                    <a:latin typeface="+mn-ea"/>
-                  </a:rPr>
-                  <a:t>Github</a:t>
-                </a:r>
-                <a:r>
-                  <a:rPr kumimoji="1" lang="en-US" altLang="ko-KR" sz="1050" b="1" dirty="0">
-                    <a:latin typeface="+mn-ea"/>
-                  </a:rPr>
-                  <a:t> URL)</a:t>
-                </a:r>
-                <a:endParaRPr kumimoji="1" lang="ko-KR" altLang="en-US" sz="1050" b="1" dirty="0">
                   <a:latin typeface="+mn-ea"/>
                 </a:endParaRPr>
               </a:p>
@@ -14033,6 +13860,398 @@
             </p:txBody>
           </p:sp>
         </p:grpSp>
+        <p:grpSp>
+          <p:nvGrpSpPr>
+            <p:cNvPr id="6" name="그룹 5"/>
+            <p:cNvGrpSpPr/>
+            <p:nvPr/>
+          </p:nvGrpSpPr>
+          <p:grpSpPr>
+            <a:xfrm>
+              <a:off x="5021511" y="6079340"/>
+              <a:ext cx="2789024" cy="480301"/>
+              <a:chOff x="5021511" y="6079340"/>
+              <a:chExt cx="2789024" cy="480301"/>
+            </a:xfrm>
+          </p:grpSpPr>
+          <p:grpSp>
+            <p:nvGrpSpPr>
+              <p:cNvPr id="96" name="그룹 95">
+                <a:extLst>
+                  <a:ext uri="{FF2B5EF4-FFF2-40B4-BE49-F238E27FC236}">
+                    <a16:creationId xmlns:a16="http://schemas.microsoft.com/office/drawing/2014/main" id="{17F3D77D-B63E-4FDA-B608-4F178AFBACC9}"/>
+                  </a:ext>
+                </a:extLst>
+              </p:cNvPr>
+              <p:cNvGrpSpPr/>
+              <p:nvPr/>
+            </p:nvGrpSpPr>
+            <p:grpSpPr>
+              <a:xfrm>
+                <a:off x="5021511" y="6079340"/>
+                <a:ext cx="1508979" cy="253916"/>
+                <a:chOff x="6654694" y="4740005"/>
+                <a:chExt cx="1508979" cy="253916"/>
+              </a:xfrm>
+            </p:grpSpPr>
+            <p:sp>
+              <p:nvSpPr>
+                <p:cNvPr id="119" name="삼각형 45">
+                  <a:extLst>
+                    <a:ext uri="{FF2B5EF4-FFF2-40B4-BE49-F238E27FC236}">
+                      <a16:creationId xmlns:a16="http://schemas.microsoft.com/office/drawing/2014/main" id="{079A80A8-5369-461E-B6E4-135C69EE1526}"/>
+                    </a:ext>
+                  </a:extLst>
+                </p:cNvPr>
+                <p:cNvSpPr/>
+                <p:nvPr/>
+              </p:nvSpPr>
+              <p:spPr>
+                <a:xfrm rot="5400000">
+                  <a:off x="6649703" y="4801555"/>
+                  <a:ext cx="133104" cy="123122"/>
+                </a:xfrm>
+                <a:prstGeom prst="triangle">
+                  <a:avLst/>
+                </a:prstGeom>
+                <a:solidFill>
+                  <a:srgbClr val="F4BA5B"/>
+                </a:solidFill>
+                <a:ln>
+                  <a:noFill/>
+                </a:ln>
+              </p:spPr>
+              <p:style>
+                <a:lnRef idx="2">
+                  <a:schemeClr val="accent1">
+                    <a:shade val="50000"/>
+                  </a:schemeClr>
+                </a:lnRef>
+                <a:fillRef idx="1">
+                  <a:schemeClr val="accent1"/>
+                </a:fillRef>
+                <a:effectRef idx="0">
+                  <a:schemeClr val="accent1"/>
+                </a:effectRef>
+                <a:fontRef idx="minor">
+                  <a:schemeClr val="lt1"/>
+                </a:fontRef>
+              </p:style>
+              <p:txBody>
+                <a:bodyPr rtlCol="0" anchor="ctr"/>
+                <a:lstStyle/>
+                <a:p>
+                  <a:pPr algn="ctr"/>
+                  <a:endParaRPr kumimoji="1" lang="ko-KR" altLang="en-US" sz="1463">
+                    <a:latin typeface="+mn-ea"/>
+                  </a:endParaRPr>
+                </a:p>
+              </p:txBody>
+            </p:sp>
+            <p:sp>
+              <p:nvSpPr>
+                <p:cNvPr id="120" name="TextBox 119">
+                  <a:extLst>
+                    <a:ext uri="{FF2B5EF4-FFF2-40B4-BE49-F238E27FC236}">
+                      <a16:creationId xmlns:a16="http://schemas.microsoft.com/office/drawing/2014/main" id="{2C68DE23-AD92-4A6A-9490-222E27A3994C}"/>
+                    </a:ext>
+                  </a:extLst>
+                </p:cNvPr>
+                <p:cNvSpPr txBox="1"/>
+                <p:nvPr/>
+              </p:nvSpPr>
+              <p:spPr>
+                <a:xfrm>
+                  <a:off x="6809664" y="4740005"/>
+                  <a:ext cx="1354009" cy="253916"/>
+                </a:xfrm>
+                <a:prstGeom prst="rect">
+                  <a:avLst/>
+                </a:prstGeom>
+                <a:noFill/>
+              </p:spPr>
+              <p:txBody>
+                <a:bodyPr wrap="square" rtlCol="0">
+                  <a:spAutoFit/>
+                </a:bodyPr>
+                <a:lstStyle/>
+                <a:p>
+                  <a:r>
+                    <a:rPr kumimoji="1" lang="en-US" altLang="ko-KR" sz="1050" b="1" dirty="0">
+                      <a:latin typeface="+mn-ea"/>
+                    </a:rPr>
+                    <a:t>CODE(</a:t>
+                  </a:r>
+                  <a:r>
+                    <a:rPr kumimoji="1" lang="en-US" altLang="ko-KR" sz="1050" b="1" dirty="0" err="1">
+                      <a:latin typeface="+mn-ea"/>
+                    </a:rPr>
+                    <a:t>Github</a:t>
+                  </a:r>
+                  <a:r>
+                    <a:rPr kumimoji="1" lang="en-US" altLang="ko-KR" sz="1050" b="1" dirty="0">
+                      <a:latin typeface="+mn-ea"/>
+                    </a:rPr>
+                    <a:t> URL)</a:t>
+                  </a:r>
+                  <a:endParaRPr kumimoji="1" lang="ko-KR" altLang="en-US" sz="1050" b="1" dirty="0">
+                    <a:latin typeface="+mn-ea"/>
+                  </a:endParaRPr>
+                </a:p>
+              </p:txBody>
+            </p:sp>
+          </p:grpSp>
+          <p:sp>
+            <p:nvSpPr>
+              <p:cNvPr id="75" name="TextBox 74">
+                <a:hlinkClick r:id="rId4"/>
+                <a:extLst>
+                  <a:ext uri="{FF2B5EF4-FFF2-40B4-BE49-F238E27FC236}">
+                    <a16:creationId xmlns:a16="http://schemas.microsoft.com/office/drawing/2014/main" id="{2D945192-38BF-4D10-9B7B-47EF81C22699}"/>
+                  </a:ext>
+                </a:extLst>
+              </p:cNvPr>
+              <p:cNvSpPr txBox="1"/>
+              <p:nvPr/>
+            </p:nvSpPr>
+            <p:spPr>
+              <a:xfrm>
+                <a:off x="5176481" y="6256160"/>
+                <a:ext cx="2634054" cy="303481"/>
+              </a:xfrm>
+              <a:prstGeom prst="rect">
+                <a:avLst/>
+              </a:prstGeom>
+              <a:noFill/>
+            </p:spPr>
+            <p:txBody>
+              <a:bodyPr wrap="none" rtlCol="0">
+                <a:spAutoFit/>
+              </a:bodyPr>
+              <a:lstStyle/>
+              <a:p>
+                <a:pPr>
+                  <a:lnSpc>
+                    <a:spcPct val="150000"/>
+                  </a:lnSpc>
+                </a:pPr>
+                <a:r>
+                  <a:rPr lang="en-US" altLang="ko-KR" sz="1050">
+                    <a:latin typeface="+mn-ea"/>
+                    <a:hlinkClick r:id="rId4"/>
+                  </a:rPr>
+                  <a:t>https</a:t>
+                </a:r>
+                <a:r>
+                  <a:rPr lang="en-US" altLang="ko-KR" sz="1050">
+                    <a:latin typeface="+mn-ea"/>
+                    <a:hlinkClick r:id="rId4"/>
+                  </a:rPr>
+                  <a:t>://</a:t>
+                </a:r>
+                <a:r>
+                  <a:rPr lang="en-US" altLang="ko-KR" sz="1050" smtClean="0">
+                    <a:latin typeface="+mn-ea"/>
+                    <a:hlinkClick r:id="rId4"/>
+                  </a:rPr>
+                  <a:t>github.com/renige18/start_menu</a:t>
+                </a:r>
+                <a:endParaRPr lang="en-US" altLang="ko-KR" sz="1050" dirty="0">
+                  <a:latin typeface="+mn-ea"/>
+                </a:endParaRPr>
+              </a:p>
+            </p:txBody>
+          </p:sp>
+        </p:grpSp>
+      </p:grpSp>
+      <p:grpSp>
+        <p:nvGrpSpPr>
+          <p:cNvPr id="79" name="그룹 78"/>
+          <p:cNvGrpSpPr/>
+          <p:nvPr/>
+        </p:nvGrpSpPr>
+        <p:grpSpPr>
+          <a:xfrm>
+            <a:off x="560997" y="6047869"/>
+            <a:ext cx="2789024" cy="480301"/>
+            <a:chOff x="5021511" y="6079340"/>
+            <a:chExt cx="2789024" cy="480301"/>
+          </a:xfrm>
+        </p:grpSpPr>
+        <p:grpSp>
+          <p:nvGrpSpPr>
+            <p:cNvPr id="80" name="그룹 79">
+              <a:extLst>
+                <a:ext uri="{FF2B5EF4-FFF2-40B4-BE49-F238E27FC236}">
+                  <a16:creationId xmlns:a16="http://schemas.microsoft.com/office/drawing/2014/main" id="{17F3D77D-B63E-4FDA-B608-4F178AFBACC9}"/>
+                </a:ext>
+              </a:extLst>
+            </p:cNvPr>
+            <p:cNvGrpSpPr/>
+            <p:nvPr/>
+          </p:nvGrpSpPr>
+          <p:grpSpPr>
+            <a:xfrm>
+              <a:off x="5021511" y="6079340"/>
+              <a:ext cx="1508979" cy="253916"/>
+              <a:chOff x="6654694" y="4740005"/>
+              <a:chExt cx="1508979" cy="253916"/>
+            </a:xfrm>
+          </p:grpSpPr>
+          <p:sp>
+            <p:nvSpPr>
+              <p:cNvPr id="82" name="삼각형 45">
+                <a:extLst>
+                  <a:ext uri="{FF2B5EF4-FFF2-40B4-BE49-F238E27FC236}">
+                    <a16:creationId xmlns:a16="http://schemas.microsoft.com/office/drawing/2014/main" id="{079A80A8-5369-461E-B6E4-135C69EE1526}"/>
+                  </a:ext>
+                </a:extLst>
+              </p:cNvPr>
+              <p:cNvSpPr/>
+              <p:nvPr/>
+            </p:nvSpPr>
+            <p:spPr>
+              <a:xfrm rot="5400000">
+                <a:off x="6649703" y="4801555"/>
+                <a:ext cx="133104" cy="123122"/>
+              </a:xfrm>
+              <a:prstGeom prst="triangle">
+                <a:avLst/>
+              </a:prstGeom>
+              <a:solidFill>
+                <a:srgbClr val="F4BA5B"/>
+              </a:solidFill>
+              <a:ln>
+                <a:noFill/>
+              </a:ln>
+            </p:spPr>
+            <p:style>
+              <a:lnRef idx="2">
+                <a:schemeClr val="accent1">
+                  <a:shade val="50000"/>
+                </a:schemeClr>
+              </a:lnRef>
+              <a:fillRef idx="1">
+                <a:schemeClr val="accent1"/>
+              </a:fillRef>
+              <a:effectRef idx="0">
+                <a:schemeClr val="accent1"/>
+              </a:effectRef>
+              <a:fontRef idx="minor">
+                <a:schemeClr val="lt1"/>
+              </a:fontRef>
+            </p:style>
+            <p:txBody>
+              <a:bodyPr rtlCol="0" anchor="ctr"/>
+              <a:lstStyle/>
+              <a:p>
+                <a:pPr algn="ctr"/>
+                <a:endParaRPr kumimoji="1" lang="ko-KR" altLang="en-US" sz="1463">
+                  <a:latin typeface="+mn-ea"/>
+                </a:endParaRPr>
+              </a:p>
+            </p:txBody>
+          </p:sp>
+          <p:sp>
+            <p:nvSpPr>
+              <p:cNvPr id="83" name="TextBox 82">
+                <a:extLst>
+                  <a:ext uri="{FF2B5EF4-FFF2-40B4-BE49-F238E27FC236}">
+                    <a16:creationId xmlns:a16="http://schemas.microsoft.com/office/drawing/2014/main" id="{2C68DE23-AD92-4A6A-9490-222E27A3994C}"/>
+                  </a:ext>
+                </a:extLst>
+              </p:cNvPr>
+              <p:cNvSpPr txBox="1"/>
+              <p:nvPr/>
+            </p:nvSpPr>
+            <p:spPr>
+              <a:xfrm>
+                <a:off x="6809664" y="4740005"/>
+                <a:ext cx="1354009" cy="253916"/>
+              </a:xfrm>
+              <a:prstGeom prst="rect">
+                <a:avLst/>
+              </a:prstGeom>
+              <a:noFill/>
+            </p:spPr>
+            <p:txBody>
+              <a:bodyPr wrap="square" rtlCol="0">
+                <a:spAutoFit/>
+              </a:bodyPr>
+              <a:lstStyle/>
+              <a:p>
+                <a:r>
+                  <a:rPr kumimoji="1" lang="en-US" altLang="ko-KR" sz="1050" b="1" dirty="0">
+                    <a:latin typeface="+mn-ea"/>
+                  </a:rPr>
+                  <a:t>CODE(</a:t>
+                </a:r>
+                <a:r>
+                  <a:rPr kumimoji="1" lang="en-US" altLang="ko-KR" sz="1050" b="1" dirty="0" err="1">
+                    <a:latin typeface="+mn-ea"/>
+                  </a:rPr>
+                  <a:t>Github</a:t>
+                </a:r>
+                <a:r>
+                  <a:rPr kumimoji="1" lang="en-US" altLang="ko-KR" sz="1050" b="1" dirty="0">
+                    <a:latin typeface="+mn-ea"/>
+                  </a:rPr>
+                  <a:t> URL)</a:t>
+                </a:r>
+                <a:endParaRPr kumimoji="1" lang="ko-KR" altLang="en-US" sz="1050" b="1" dirty="0">
+                  <a:latin typeface="+mn-ea"/>
+                </a:endParaRPr>
+              </a:p>
+            </p:txBody>
+          </p:sp>
+        </p:grpSp>
+        <p:sp>
+          <p:nvSpPr>
+            <p:cNvPr id="81" name="TextBox 80">
+              <a:hlinkClick r:id="rId4"/>
+              <a:extLst>
+                <a:ext uri="{FF2B5EF4-FFF2-40B4-BE49-F238E27FC236}">
+                  <a16:creationId xmlns:a16="http://schemas.microsoft.com/office/drawing/2014/main" id="{2D945192-38BF-4D10-9B7B-47EF81C22699}"/>
+                </a:ext>
+              </a:extLst>
+            </p:cNvPr>
+            <p:cNvSpPr txBox="1"/>
+            <p:nvPr/>
+          </p:nvSpPr>
+          <p:spPr>
+            <a:xfrm>
+              <a:off x="5176481" y="6256160"/>
+              <a:ext cx="2634054" cy="303481"/>
+            </a:xfrm>
+            <a:prstGeom prst="rect">
+              <a:avLst/>
+            </a:prstGeom>
+            <a:noFill/>
+          </p:spPr>
+          <p:txBody>
+            <a:bodyPr wrap="none" rtlCol="0">
+              <a:spAutoFit/>
+            </a:bodyPr>
+            <a:lstStyle/>
+            <a:p>
+              <a:pPr>
+                <a:lnSpc>
+                  <a:spcPct val="150000"/>
+                </a:lnSpc>
+              </a:pPr>
+              <a:r>
+                <a:rPr lang="en-US" altLang="ko-KR" sz="1050">
+                  <a:latin typeface="+mn-ea"/>
+                  <a:hlinkClick r:id="rId5"/>
+                </a:rPr>
+                <a:t>https://github.com/renige18/deveryApp</a:t>
+              </a:r>
+              <a:endParaRPr lang="en-US" altLang="ko-KR" sz="1050" dirty="0">
+                <a:latin typeface="+mn-ea"/>
+              </a:endParaRPr>
+            </a:p>
+          </p:txBody>
+        </p:sp>
       </p:grpSp>
     </p:spTree>
     <p:extLst>
@@ -14044,6 +14263,13 @@
   <p:clrMapOvr>
     <a:masterClrMapping/>
   </p:clrMapOvr>
+  <p:timing>
+    <p:tnLst>
+      <p:par>
+        <p:cTn id="1" dur="indefinite" restart="never" nodeType="tmRoot"/>
+      </p:par>
+    </p:tnLst>
+  </p:timing>
 </p:sld>
 </file>
 
@@ -17037,6 +17263,113 @@
           </p:sp>
         </p:grpSp>
       </p:grpSp>
+      <p:sp>
+        <p:nvSpPr>
+          <p:cNvPr id="74" name="TextBox 73">
+            <a:extLst>
+              <a:ext uri="{FF2B5EF4-FFF2-40B4-BE49-F238E27FC236}">
+                <a16:creationId xmlns:a16="http://schemas.microsoft.com/office/drawing/2014/main" id="{2D945192-38BF-4D10-9B7B-47EF81C22699}"/>
+              </a:ext>
+            </a:extLst>
+          </p:cNvPr>
+          <p:cNvSpPr txBox="1"/>
+          <p:nvPr/>
+        </p:nvSpPr>
+        <p:spPr>
+          <a:xfrm>
+            <a:off x="729953" y="6283462"/>
+            <a:ext cx="2634054" cy="253916"/>
+          </a:xfrm>
+          <a:prstGeom prst="rect">
+            <a:avLst/>
+          </a:prstGeom>
+          <a:noFill/>
+        </p:spPr>
+        <p:txBody>
+          <a:bodyPr wrap="none" rtlCol="0">
+            <a:spAutoFit/>
+          </a:bodyPr>
+          <a:lstStyle/>
+          <a:p>
+            <a:r>
+              <a:rPr kumimoji="1" lang="en-US" altLang="ko-KR" sz="1050">
+                <a:solidFill>
+                  <a:schemeClr val="tx1">
+                    <a:lumMod val="50000"/>
+                    <a:lumOff val="50000"/>
+                  </a:schemeClr>
+                </a:solidFill>
+                <a:latin typeface="+mn-ea"/>
+                <a:hlinkClick r:id="rId4"/>
+              </a:rPr>
+              <a:t>https://github.com/renige18/start_menu</a:t>
+            </a:r>
+            <a:endParaRPr kumimoji="1" lang="ko-KR" altLang="en-US" sz="1050" dirty="0">
+              <a:solidFill>
+                <a:schemeClr val="tx1">
+                  <a:lumMod val="50000"/>
+                  <a:lumOff val="50000"/>
+                </a:schemeClr>
+              </a:solidFill>
+              <a:latin typeface="+mn-ea"/>
+            </a:endParaRPr>
+          </a:p>
+        </p:txBody>
+      </p:sp>
+      <p:sp>
+        <p:nvSpPr>
+          <p:cNvPr id="75" name="TextBox 74">
+            <a:hlinkClick r:id="rId5"/>
+            <a:extLst>
+              <a:ext uri="{FF2B5EF4-FFF2-40B4-BE49-F238E27FC236}">
+                <a16:creationId xmlns:a16="http://schemas.microsoft.com/office/drawing/2014/main" id="{2D945192-38BF-4D10-9B7B-47EF81C22699}"/>
+              </a:ext>
+            </a:extLst>
+          </p:cNvPr>
+          <p:cNvSpPr txBox="1"/>
+          <p:nvPr/>
+        </p:nvSpPr>
+        <p:spPr>
+          <a:xfrm>
+            <a:off x="5527585" y="6322049"/>
+            <a:ext cx="2634054" cy="253916"/>
+          </a:xfrm>
+          <a:prstGeom prst="rect">
+            <a:avLst/>
+          </a:prstGeom>
+          <a:noFill/>
+        </p:spPr>
+        <p:txBody>
+          <a:bodyPr wrap="none" rtlCol="0">
+            <a:spAutoFit/>
+          </a:bodyPr>
+          <a:lstStyle/>
+          <a:p>
+            <a:r>
+              <a:rPr kumimoji="1" lang="en-US" altLang="ko-KR" sz="1050">
+                <a:solidFill>
+                  <a:schemeClr val="tx1">
+                    <a:lumMod val="50000"/>
+                    <a:lumOff val="50000"/>
+                  </a:schemeClr>
+                </a:solidFill>
+                <a:latin typeface="+mn-ea"/>
+                <a:hlinkClick r:id="rId5"/>
+              </a:rPr>
+              <a:t>https://github.com/renige18/deveryApp</a:t>
+            </a:r>
+            <a:endParaRPr kumimoji="1" lang="ko-KR" altLang="en-US" sz="1050" dirty="0">
+              <a:solidFill>
+                <a:schemeClr val="tx1">
+                  <a:lumMod val="50000"/>
+                  <a:lumOff val="50000"/>
+                </a:schemeClr>
+              </a:solidFill>
+              <a:latin typeface="+mn-ea"/>
+            </a:endParaRPr>
+          </a:p>
+        </p:txBody>
+      </p:sp>
     </p:spTree>
     <p:extLst>
       <p:ext uri="{BB962C8B-B14F-4D97-AF65-F5344CB8AC3E}">
@@ -17047,6 +17380,13 @@
   <p:clrMapOvr>
     <a:masterClrMapping/>
   </p:clrMapOvr>
+  <p:timing>
+    <p:tnLst>
+      <p:par>
+        <p:cTn id="1" dur="indefinite" restart="never" nodeType="tmRoot"/>
+      </p:par>
+    </p:tnLst>
+  </p:timing>
 </p:sld>
 </file>
 
@@ -18240,6 +18580,13 @@
   <p:clrMapOvr>
     <a:masterClrMapping/>
   </p:clrMapOvr>
+  <p:timing>
+    <p:tnLst>
+      <p:par>
+        <p:cTn id="1" dur="indefinite" restart="never" nodeType="tmRoot"/>
+      </p:par>
+    </p:tnLst>
+  </p:timing>
 </p:sld>
 </file>
 
@@ -18824,6 +19171,13 @@
   <p:clrMapOvr>
     <a:masterClrMapping/>
   </p:clrMapOvr>
+  <p:timing>
+    <p:tnLst>
+      <p:par>
+        <p:cTn id="1" dur="indefinite" restart="never" nodeType="tmRoot"/>
+      </p:par>
+    </p:tnLst>
+  </p:timing>
 </p:sld>
 </file>
 
@@ -19357,6 +19711,13 @@
   <p:clrMapOvr>
     <a:masterClrMapping/>
   </p:clrMapOvr>
+  <p:timing>
+    <p:tnLst>
+      <p:par>
+        <p:cTn id="1" dur="indefinite" restart="never" nodeType="tmRoot"/>
+      </p:par>
+    </p:tnLst>
+  </p:timing>
 </p:sld>
 </file>
 
